--- a/ML_0552050.pptx
+++ b/ML_0552050.pptx
@@ -214,7 +214,7 @@
           <a:p>
             <a:fld id="{6F94AA58-72FF-427F-B51D-D5ADB9A967C4}" type="datetimeFigureOut">
               <a:rPr lang="zh-CN" altLang="en-US" smtClean="0"/>
-              <a:t>2019/11/19</a:t>
+              <a:t>2019/11/20</a:t>
             </a:fld>
             <a:endParaRPr lang="zh-CN" altLang="en-US"/>
           </a:p>
@@ -610,7 +610,7 @@
           <a:p>
             <a:fld id="{82F288E0-7875-42C4-84C8-98DBBD3BF4D2}" type="datetimeFigureOut">
               <a:rPr lang="zh-CN" altLang="en-US" smtClean="0"/>
-              <a:t>2019/11/19</a:t>
+              <a:t>2019/11/20</a:t>
             </a:fld>
             <a:endParaRPr lang="zh-CN" altLang="en-US"/>
           </a:p>
@@ -756,7 +756,7 @@
           <a:p>
             <a:fld id="{82F288E0-7875-42C4-84C8-98DBBD3BF4D2}" type="datetimeFigureOut">
               <a:rPr lang="zh-CN" altLang="en-US" smtClean="0"/>
-              <a:t>2019/11/19</a:t>
+              <a:t>2019/11/20</a:t>
             </a:fld>
             <a:endParaRPr lang="zh-CN" altLang="en-US"/>
           </a:p>
@@ -919,7 +919,7 @@
           <a:p>
             <a:fld id="{82F288E0-7875-42C4-84C8-98DBBD3BF4D2}" type="datetimeFigureOut">
               <a:rPr lang="zh-CN" altLang="en-US" smtClean="0"/>
-              <a:t>2019/11/19</a:t>
+              <a:t>2019/11/20</a:t>
             </a:fld>
             <a:endParaRPr lang="zh-CN" altLang="en-US"/>
           </a:p>
@@ -1159,7 +1159,7 @@
           <a:p>
             <a:fld id="{82F288E0-7875-42C4-84C8-98DBBD3BF4D2}" type="datetimeFigureOut">
               <a:rPr lang="zh-CN" altLang="en-US" smtClean="0"/>
-              <a:t>2019/11/19</a:t>
+              <a:t>2019/11/20</a:t>
             </a:fld>
             <a:endParaRPr lang="zh-CN" altLang="en-US"/>
           </a:p>
@@ -1383,7 +1383,7 @@
           <a:p>
             <a:fld id="{82F288E0-7875-42C4-84C8-98DBBD3BF4D2}" type="datetimeFigureOut">
               <a:rPr lang="zh-CN" altLang="en-US" smtClean="0"/>
-              <a:t>2019/11/19</a:t>
+              <a:t>2019/11/20</a:t>
             </a:fld>
             <a:endParaRPr lang="zh-CN" altLang="en-US"/>
           </a:p>
@@ -1742,7 +1742,7 @@
           <a:p>
             <a:fld id="{82F288E0-7875-42C4-84C8-98DBBD3BF4D2}" type="datetimeFigureOut">
               <a:rPr lang="zh-CN" altLang="en-US" smtClean="0"/>
-              <a:t>2019/11/19</a:t>
+              <a:t>2019/11/20</a:t>
             </a:fld>
             <a:endParaRPr lang="zh-CN" altLang="en-US"/>
           </a:p>
@@ -1854,7 +1854,7 @@
           <a:p>
             <a:fld id="{82F288E0-7875-42C4-84C8-98DBBD3BF4D2}" type="datetimeFigureOut">
               <a:rPr lang="zh-CN" altLang="en-US" smtClean="0"/>
-              <a:t>2019/11/19</a:t>
+              <a:t>2019/11/20</a:t>
             </a:fld>
             <a:endParaRPr lang="zh-CN" altLang="en-US"/>
           </a:p>
@@ -1944,7 +1944,7 @@
           <a:p>
             <a:fld id="{82F288E0-7875-42C4-84C8-98DBBD3BF4D2}" type="datetimeFigureOut">
               <a:rPr lang="zh-CN" altLang="en-US" smtClean="0"/>
-              <a:t>2019/11/19</a:t>
+              <a:t>2019/11/20</a:t>
             </a:fld>
             <a:endParaRPr lang="zh-CN" altLang="en-US"/>
           </a:p>
@@ -2191,7 +2191,7 @@
           <a:p>
             <a:fld id="{82F288E0-7875-42C4-84C8-98DBBD3BF4D2}" type="datetimeFigureOut">
               <a:rPr lang="zh-CN" altLang="en-US" smtClean="0"/>
-              <a:t>2019/11/19</a:t>
+              <a:t>2019/11/20</a:t>
             </a:fld>
             <a:endParaRPr lang="zh-CN" altLang="en-US"/>
           </a:p>
@@ -2364,7 +2364,7 @@
           <a:p>
             <a:fld id="{82F288E0-7875-42C4-84C8-98DBBD3BF4D2}" type="datetimeFigureOut">
               <a:rPr lang="zh-CN" altLang="en-US" smtClean="0"/>
-              <a:t>2019/11/19</a:t>
+              <a:t>2019/11/20</a:t>
             </a:fld>
             <a:endParaRPr lang="zh-CN" altLang="en-US"/>
           </a:p>
@@ -2570,7 +2570,7 @@
           <a:p>
             <a:fld id="{82F288E0-7875-42C4-84C8-98DBBD3BF4D2}" type="datetimeFigureOut">
               <a:rPr lang="zh-CN" altLang="en-US" smtClean="0"/>
-              <a:t>2019/11/19</a:t>
+              <a:t>2019/11/20</a:t>
             </a:fld>
             <a:endParaRPr lang="zh-CN" altLang="en-US"/>
           </a:p>
@@ -3261,6 +3261,13 @@
   <p:transition spd="slow">
     <p:fade/>
   </p:transition>
+  <p:timing>
+    <p:tnLst>
+      <p:par>
+        <p:cTn id="1" dur="indefinite" restart="never" nodeType="tmRoot"/>
+      </p:par>
+    </p:tnLst>
+  </p:timing>
 </p:sld>
 </file>
 
@@ -4176,6 +4183,13 @@
       </p:transition>
     </mc:Fallback>
   </mc:AlternateContent>
+  <p:timing>
+    <p:tnLst>
+      <p:par>
+        <p:cTn id="1" dur="indefinite" restart="never" nodeType="tmRoot"/>
+      </p:par>
+    </p:tnLst>
+  </p:timing>
 </p:sld>
 </file>
 
@@ -5221,6 +5235,13 @@
       </p:transition>
     </mc:Fallback>
   </mc:AlternateContent>
+  <p:timing>
+    <p:tnLst>
+      <p:par>
+        <p:cTn id="1" dur="indefinite" restart="never" nodeType="tmRoot"/>
+      </p:par>
+    </p:tnLst>
+  </p:timing>
 </p:sld>
 </file>
 
@@ -5396,8 +5417,8 @@
         </p:nvSpPr>
         <p:spPr>
           <a:xfrm>
-            <a:off x="2513632" y="2162982"/>
-            <a:ext cx="3473304" cy="461665"/>
+            <a:off x="2513631" y="2097995"/>
+            <a:ext cx="3473304" cy="584775"/>
           </a:xfrm>
           <a:prstGeom prst="rect">
             <a:avLst/>
@@ -5411,7 +5432,7 @@
           <a:lstStyle/>
           <a:p>
             <a:r>
-              <a:rPr lang="zh-TW" altLang="en-US" sz="2400" dirty="0">
+              <a:rPr lang="zh-TW" altLang="en-US" sz="3200" dirty="0">
                 <a:solidFill>
                   <a:schemeClr val="tx1">
                     <a:lumMod val="75000"/>
@@ -5423,7 +5444,7 @@
               </a:rPr>
               <a:t>平板能正確擊球</a:t>
             </a:r>
-            <a:endParaRPr lang="zh-CN" altLang="en-US" sz="2400" dirty="0">
+            <a:endParaRPr lang="zh-CN" altLang="en-US" sz="3200" dirty="0">
               <a:solidFill>
                 <a:schemeClr val="tx1">
                   <a:lumMod val="75000"/>
@@ -5512,8 +5533,8 @@
         </p:nvSpPr>
         <p:spPr>
           <a:xfrm>
-            <a:off x="2513631" y="3454372"/>
-            <a:ext cx="3910963" cy="461665"/>
+            <a:off x="2513631" y="3392817"/>
+            <a:ext cx="5147558" cy="584775"/>
           </a:xfrm>
           <a:prstGeom prst="rect">
             <a:avLst/>
@@ -5527,7 +5548,7 @@
           <a:lstStyle/>
           <a:p>
             <a:r>
-              <a:rPr lang="zh-TW" altLang="en-US" sz="2400" dirty="0">
+              <a:rPr lang="zh-TW" altLang="en-US" sz="3200" dirty="0">
                 <a:solidFill>
                   <a:schemeClr val="tx1">
                     <a:lumMod val="75000"/>
@@ -5539,7 +5560,7 @@
               </a:rPr>
               <a:t>平板能以最簡潔的方式移動</a:t>
             </a:r>
-            <a:endParaRPr lang="zh-CN" altLang="en-US" sz="2400" dirty="0">
+            <a:endParaRPr lang="zh-CN" altLang="en-US" sz="3200" dirty="0">
               <a:solidFill>
                 <a:schemeClr val="tx1">
                   <a:lumMod val="75000"/>
@@ -5566,8 +5587,8 @@
         </p:nvSpPr>
         <p:spPr>
           <a:xfrm>
-            <a:off x="2513631" y="4745762"/>
-            <a:ext cx="3910963" cy="461665"/>
+            <a:off x="2513631" y="4684207"/>
+            <a:ext cx="5147558" cy="584775"/>
           </a:xfrm>
           <a:prstGeom prst="rect">
             <a:avLst/>
@@ -5581,7 +5602,7 @@
           <a:lstStyle/>
           <a:p>
             <a:r>
-              <a:rPr lang="zh-TW" altLang="en-US" sz="2400" dirty="0">
+              <a:rPr lang="zh-TW" altLang="en-US" sz="3200" dirty="0">
                 <a:solidFill>
                   <a:schemeClr val="tx1">
                     <a:lumMod val="75000"/>
@@ -5594,7 +5615,7 @@
               <a:t>在速度到達</a:t>
             </a:r>
             <a:r>
-              <a:rPr lang="en-US" altLang="zh-TW" sz="2400" dirty="0">
+              <a:rPr lang="en-US" altLang="zh-TW" sz="3200" dirty="0">
                 <a:solidFill>
                   <a:schemeClr val="tx1">
                     <a:lumMod val="75000"/>
@@ -5607,7 +5628,7 @@
               <a:t>30</a:t>
             </a:r>
             <a:r>
-              <a:rPr lang="zh-TW" altLang="en-US" sz="2400" dirty="0">
+              <a:rPr lang="zh-TW" altLang="en-US" sz="3200" dirty="0">
                 <a:solidFill>
                   <a:schemeClr val="tx1">
                     <a:lumMod val="75000"/>
@@ -5619,7 +5640,7 @@
               </a:rPr>
               <a:t>以前不失誤</a:t>
             </a:r>
-            <a:endParaRPr lang="zh-CN" altLang="en-US" sz="2400" dirty="0">
+            <a:endParaRPr lang="zh-CN" altLang="en-US" sz="3200" dirty="0">
               <a:solidFill>
                 <a:schemeClr val="tx1">
                   <a:lumMod val="75000"/>
@@ -5716,6 +5737,13 @@
       </p:transition>
     </mc:Fallback>
   </mc:AlternateContent>
+  <p:timing>
+    <p:tnLst>
+      <p:par>
+        <p:cTn id="1" dur="indefinite" restart="never" nodeType="tmRoot"/>
+      </p:par>
+    </p:tnLst>
+  </p:timing>
 </p:sld>
 </file>
 
@@ -5891,8 +5919,8 @@
         </p:nvSpPr>
         <p:spPr>
           <a:xfrm>
-            <a:off x="6909437" y="1375286"/>
-            <a:ext cx="3473304" cy="461665"/>
+            <a:off x="6909436" y="1319139"/>
+            <a:ext cx="3473304" cy="523220"/>
           </a:xfrm>
           <a:prstGeom prst="rect">
             <a:avLst/>
@@ -5906,7 +5934,7 @@
           <a:lstStyle/>
           <a:p>
             <a:r>
-              <a:rPr lang="zh-TW" altLang="en-US" sz="2400" dirty="0">
+              <a:rPr lang="zh-TW" altLang="en-US" sz="2800" dirty="0">
                 <a:solidFill>
                   <a:schemeClr val="tx1">
                     <a:lumMod val="75000"/>
@@ -5918,7 +5946,7 @@
               </a:rPr>
               <a:t>平板能正確擊球</a:t>
             </a:r>
-            <a:endParaRPr lang="zh-CN" altLang="en-US" sz="2400" dirty="0">
+            <a:endParaRPr lang="zh-CN" altLang="en-US" sz="2800" dirty="0">
               <a:solidFill>
                 <a:schemeClr val="tx1">
                   <a:lumMod val="75000"/>
@@ -5945,8 +5973,8 @@
         </p:nvSpPr>
         <p:spPr>
           <a:xfrm>
-            <a:off x="6909437" y="1812433"/>
-            <a:ext cx="2932394" cy="624786"/>
+            <a:off x="6909436" y="1775343"/>
+            <a:ext cx="3261993" cy="732508"/>
           </a:xfrm>
           <a:prstGeom prst="rect">
             <a:avLst/>
@@ -5965,7 +5993,7 @@
               </a:lnSpc>
             </a:pPr>
             <a:r>
-              <a:rPr lang="zh-TW" altLang="en-US" sz="1400" dirty="0">
+              <a:rPr lang="zh-TW" altLang="en-US" sz="1600" dirty="0">
                 <a:solidFill>
                   <a:schemeClr val="tx1">
                     <a:lumMod val="75000"/>
@@ -5978,7 +6006,7 @@
               <a:t>在球移動到平板後方以前，先將平板移動到可撞擊到球的位置</a:t>
             </a:r>
             <a:r>
-              <a:rPr lang="zh-CN" sz="1400" dirty="0">
+              <a:rPr lang="zh-CN" sz="1600" dirty="0">
                 <a:solidFill>
                   <a:schemeClr val="bg2">
                     <a:lumMod val="25000"/>
@@ -6970,8 +6998,8 @@
         </p:nvSpPr>
         <p:spPr>
           <a:xfrm>
-            <a:off x="6909436" y="2666676"/>
-            <a:ext cx="3910963" cy="461665"/>
+            <a:off x="6909436" y="2635899"/>
+            <a:ext cx="4664726" cy="523220"/>
           </a:xfrm>
           <a:prstGeom prst="rect">
             <a:avLst/>
@@ -6985,7 +7013,7 @@
           <a:lstStyle/>
           <a:p>
             <a:r>
-              <a:rPr lang="zh-TW" altLang="en-US" sz="2400" dirty="0">
+              <a:rPr lang="zh-TW" altLang="en-US" sz="2800" dirty="0">
                 <a:solidFill>
                   <a:schemeClr val="tx1">
                     <a:lumMod val="75000"/>
@@ -6997,7 +7025,7 @@
               </a:rPr>
               <a:t>平板能以最簡潔的方式移動</a:t>
             </a:r>
-            <a:endParaRPr lang="zh-CN" altLang="en-US" sz="2400" dirty="0">
+            <a:endParaRPr lang="zh-CN" altLang="en-US" sz="2800" dirty="0">
               <a:solidFill>
                 <a:schemeClr val="tx1">
                   <a:lumMod val="75000"/>
@@ -7024,8 +7052,8 @@
         </p:nvSpPr>
         <p:spPr>
           <a:xfrm>
-            <a:off x="6909437" y="3103823"/>
-            <a:ext cx="3614184" cy="624786"/>
+            <a:off x="6909436" y="3097144"/>
+            <a:ext cx="4088077" cy="732508"/>
           </a:xfrm>
           <a:prstGeom prst="rect">
             <a:avLst/>
@@ -7044,7 +7072,7 @@
               </a:lnSpc>
             </a:pPr>
             <a:r>
-              <a:rPr lang="zh-TW" altLang="en-US" sz="1400" dirty="0">
+              <a:rPr lang="zh-TW" altLang="en-US" sz="1600" dirty="0">
                 <a:solidFill>
                   <a:schemeClr val="bg2">
                     <a:lumMod val="25000"/>
@@ -7056,7 +7084,7 @@
               <a:t>在擊球後，平板能立即移動至下一個擊球點，減少不必要的移動</a:t>
             </a:r>
             <a:r>
-              <a:rPr lang="zh-CN" sz="1400" dirty="0">
+              <a:rPr lang="zh-CN" sz="1600" dirty="0">
                 <a:solidFill>
                   <a:schemeClr val="bg2">
                     <a:lumMod val="25000"/>
@@ -7951,8 +7979,8 @@
         </p:nvSpPr>
         <p:spPr>
           <a:xfrm>
-            <a:off x="6909436" y="3958067"/>
-            <a:ext cx="3910963" cy="461665"/>
+            <a:off x="6909436" y="3901919"/>
+            <a:ext cx="4285786" cy="523220"/>
           </a:xfrm>
           <a:prstGeom prst="rect">
             <a:avLst/>
@@ -7966,7 +7994,7 @@
           <a:lstStyle/>
           <a:p>
             <a:r>
-              <a:rPr lang="zh-TW" altLang="en-US" sz="2400" dirty="0">
+              <a:rPr lang="zh-TW" altLang="en-US" sz="2800" dirty="0">
                 <a:solidFill>
                   <a:schemeClr val="tx1">
                     <a:lumMod val="75000"/>
@@ -7979,7 +8007,7 @@
               <a:t>在速度到達</a:t>
             </a:r>
             <a:r>
-              <a:rPr lang="en-US" altLang="zh-TW" sz="2400" dirty="0">
+              <a:rPr lang="en-US" altLang="zh-TW" sz="2800" dirty="0">
                 <a:solidFill>
                   <a:schemeClr val="tx1">
                     <a:lumMod val="75000"/>
@@ -7992,7 +8020,7 @@
               <a:t>30</a:t>
             </a:r>
             <a:r>
-              <a:rPr lang="zh-TW" altLang="en-US" sz="2400" dirty="0">
+              <a:rPr lang="zh-TW" altLang="en-US" sz="2800" dirty="0">
                 <a:solidFill>
                   <a:schemeClr val="tx1">
                     <a:lumMod val="75000"/>
@@ -8004,7 +8032,7 @@
               </a:rPr>
               <a:t>以前不失誤</a:t>
             </a:r>
-            <a:endParaRPr lang="zh-CN" altLang="en-US" sz="2400" dirty="0">
+            <a:endParaRPr lang="zh-CN" altLang="en-US" sz="2800" dirty="0">
               <a:solidFill>
                 <a:schemeClr val="tx1">
                   <a:lumMod val="75000"/>
@@ -8031,8 +8059,8 @@
         </p:nvSpPr>
         <p:spPr>
           <a:xfrm>
-            <a:off x="6909437" y="4395214"/>
-            <a:ext cx="3614184" cy="1184940"/>
+            <a:off x="6909436" y="4395213"/>
+            <a:ext cx="4071601" cy="1372683"/>
           </a:xfrm>
           <a:prstGeom prst="rect">
             <a:avLst/>
@@ -8051,7 +8079,7 @@
               </a:lnSpc>
             </a:pPr>
             <a:r>
-              <a:rPr lang="zh-TW" altLang="en-US" sz="1400" dirty="0">
+              <a:rPr lang="zh-TW" altLang="en-US" sz="1600" dirty="0">
                 <a:solidFill>
                   <a:schemeClr val="bg2">
                     <a:lumMod val="25000"/>
@@ -8063,7 +8091,7 @@
               <a:t>由於球是以非連續的方式移動，所以會有機會使得球穿越平板，尤其是在移動速度到達</a:t>
             </a:r>
             <a:r>
-              <a:rPr lang="en-US" altLang="zh-TW" sz="1400" dirty="0">
+              <a:rPr lang="en-US" altLang="zh-TW" sz="1600" dirty="0">
                 <a:solidFill>
                   <a:schemeClr val="bg2">
                     <a:lumMod val="25000"/>
@@ -8075,7 +8103,7 @@
               <a:t>30</a:t>
             </a:r>
             <a:r>
-              <a:rPr lang="zh-TW" altLang="en-US" sz="1400" dirty="0">
+              <a:rPr lang="zh-TW" altLang="en-US" sz="1600" dirty="0">
                 <a:solidFill>
                   <a:schemeClr val="bg2">
                     <a:lumMod val="25000"/>
@@ -8087,7 +8115,7 @@
               <a:t>以後，因此希望能最少在速度</a:t>
             </a:r>
             <a:r>
-              <a:rPr lang="en-US" altLang="zh-TW" sz="1400" dirty="0">
+              <a:rPr lang="en-US" altLang="zh-TW" sz="1600" dirty="0">
                 <a:solidFill>
                   <a:schemeClr val="bg2">
                     <a:lumMod val="25000"/>
@@ -8099,7 +8127,7 @@
               <a:t>30</a:t>
             </a:r>
             <a:r>
-              <a:rPr lang="zh-TW" altLang="en-US" sz="1400" dirty="0">
+              <a:rPr lang="zh-TW" altLang="en-US" sz="1600" dirty="0">
                 <a:solidFill>
                   <a:schemeClr val="bg2">
                     <a:lumMod val="25000"/>
@@ -8111,7 +8139,7 @@
               <a:t>以前不失誤</a:t>
             </a:r>
             <a:r>
-              <a:rPr lang="zh-CN" sz="1400" dirty="0">
+              <a:rPr lang="zh-CN" sz="1600" dirty="0">
                 <a:solidFill>
                   <a:schemeClr val="bg2">
                     <a:lumMod val="25000"/>
